--- a/算法/数据结构/链表/反转列表系列.pptx
+++ b/算法/数据结构/链表/反转列表系列.pptx
@@ -3235,7 +3235,7 @@
           <a:p>
             <a:r>
               <a:rPr lang="zh-CN" altLang="zh-CN"/>
-              <a:t>反转列表系列</a:t>
+              <a:t>反转链表系列</a:t>
             </a:r>
             <a:endParaRPr lang="zh-CN" altLang="zh-CN"/>
           </a:p>
